--- a/lectures/shiny-widgets.pptx
+++ b/lectures/shiny-widgets.pptx
@@ -5,7 +5,7 @@
     <p:sldMasterId id="2147483648" r:id="rId1"/>
   </p:sldMasterIdLst>
   <p:notesMasterIdLst>
-    <p:notesMasterId r:id="rId17"/>
+    <p:notesMasterId r:id="rId20"/>
   </p:notesMasterIdLst>
   <p:sldIdLst>
     <p:sldId id="257" r:id="rId2"/>
@@ -23,6 +23,9 @@
     <p:sldId id="282" r:id="rId14"/>
     <p:sldId id="284" r:id="rId15"/>
     <p:sldId id="285" r:id="rId16"/>
+    <p:sldId id="286" r:id="rId17"/>
+    <p:sldId id="287" r:id="rId18"/>
+    <p:sldId id="288" r:id="rId19"/>
   </p:sldIdLst>
   <p:sldSz cx="12192000" cy="6858000"/>
   <p:notesSz cx="6858000" cy="9144000"/>
@@ -6471,6 +6474,827 @@
     <p:extLst>
       <p:ext uri="{BB962C8B-B14F-4D97-AF65-F5344CB8AC3E}">
         <p14:creationId xmlns:p14="http://schemas.microsoft.com/office/powerpoint/2010/main" val="660839811"/>
+      </p:ext>
+    </p:extLst>
+  </p:cSld>
+  <p:clrMapOvr>
+    <a:masterClrMapping/>
+  </p:clrMapOvr>
+</p:sld>
+</file>
+
+<file path=ppt/slides/slide16.xml><?xml version="1.0" encoding="utf-8"?>
+<p:sld xmlns:a="http://schemas.openxmlformats.org/drawingml/2006/main" xmlns:r="http://schemas.openxmlformats.org/officeDocument/2006/relationships" xmlns:p="http://schemas.openxmlformats.org/presentationml/2006/main">
+  <p:cSld>
+    <p:spTree>
+      <p:nvGrpSpPr>
+        <p:cNvPr id="1" name=""/>
+        <p:cNvGrpSpPr/>
+        <p:nvPr/>
+      </p:nvGrpSpPr>
+      <p:grpSpPr>
+        <a:xfrm>
+          <a:off x="0" y="0"/>
+          <a:ext cx="0" cy="0"/>
+          <a:chOff x="0" y="0"/>
+          <a:chExt cx="0" cy="0"/>
+        </a:xfrm>
+      </p:grpSpPr>
+      <p:sp>
+        <p:nvSpPr>
+          <p:cNvPr id="2" name="Title 1"/>
+          <p:cNvSpPr>
+            <a:spLocks noGrp="1"/>
+          </p:cNvSpPr>
+          <p:nvPr>
+            <p:ph type="title"/>
+          </p:nvPr>
+        </p:nvSpPr>
+        <p:spPr/>
+        <p:txBody>
+          <a:bodyPr/>
+          <a:lstStyle/>
+          <a:p>
+            <a:r>
+              <a:rPr lang="en-US" dirty="0">
+                <a:solidFill>
+                  <a:schemeClr val="accent1">
+                    <a:lumMod val="50000"/>
+                  </a:schemeClr>
+                </a:solidFill>
+              </a:rPr>
+              <a:t>SHINY </a:t>
+            </a:r>
+            <a:r>
+              <a:rPr lang="en-US" dirty="0">
+                <a:solidFill>
+                  <a:schemeClr val="accent2">
+                    <a:lumMod val="75000"/>
+                  </a:schemeClr>
+                </a:solidFill>
+              </a:rPr>
+              <a:t>FUNCTIONS</a:t>
+            </a:r>
+            <a:r>
+              <a:rPr lang="en-US" dirty="0">
+                <a:solidFill>
+                  <a:schemeClr val="accent1">
+                    <a:lumMod val="50000"/>
+                  </a:schemeClr>
+                </a:solidFill>
+              </a:rPr>
+              <a:t> VS SHINY </a:t>
+            </a:r>
+            <a:r>
+              <a:rPr lang="en-US" dirty="0">
+                <a:solidFill>
+                  <a:schemeClr val="accent2">
+                    <a:lumMod val="75000"/>
+                  </a:schemeClr>
+                </a:solidFill>
+              </a:rPr>
+              <a:t>APPS</a:t>
+            </a:r>
+          </a:p>
+        </p:txBody>
+      </p:sp>
+      <p:sp>
+        <p:nvSpPr>
+          <p:cNvPr id="3" name="Text Placeholder 2"/>
+          <p:cNvSpPr>
+            <a:spLocks noGrp="1"/>
+          </p:cNvSpPr>
+          <p:nvPr>
+            <p:ph type="body" idx="1"/>
+          </p:nvPr>
+        </p:nvSpPr>
+        <p:spPr/>
+        <p:txBody>
+          <a:bodyPr/>
+          <a:lstStyle/>
+          <a:p>
+            <a:r>
+              <a:rPr lang="en-US" dirty="0"/>
+              <a:t>Using shiny in RMD documents versus building custom web apps</a:t>
+            </a:r>
+          </a:p>
+        </p:txBody>
+      </p:sp>
+    </p:spTree>
+    <p:extLst>
+      <p:ext uri="{BB962C8B-B14F-4D97-AF65-F5344CB8AC3E}">
+        <p14:creationId xmlns:p14="http://schemas.microsoft.com/office/powerpoint/2010/main" val="3501869733"/>
+      </p:ext>
+    </p:extLst>
+  </p:cSld>
+  <p:clrMapOvr>
+    <a:masterClrMapping/>
+  </p:clrMapOvr>
+</p:sld>
+</file>
+
+<file path=ppt/slides/slide17.xml><?xml version="1.0" encoding="utf-8"?>
+<p:sld xmlns:a="http://schemas.openxmlformats.org/drawingml/2006/main" xmlns:r="http://schemas.openxmlformats.org/officeDocument/2006/relationships" xmlns:p="http://schemas.openxmlformats.org/presentationml/2006/main">
+  <p:cSld>
+    <p:spTree>
+      <p:nvGrpSpPr>
+        <p:cNvPr id="1" name=""/>
+        <p:cNvGrpSpPr/>
+        <p:nvPr/>
+      </p:nvGrpSpPr>
+      <p:grpSpPr>
+        <a:xfrm>
+          <a:off x="0" y="0"/>
+          <a:ext cx="0" cy="0"/>
+          <a:chOff x="0" y="0"/>
+          <a:chExt cx="0" cy="0"/>
+        </a:xfrm>
+      </p:grpSpPr>
+      <p:sp>
+        <p:nvSpPr>
+          <p:cNvPr id="3" name="Title 1"/>
+          <p:cNvSpPr txBox="1">
+            <a:spLocks/>
+          </p:cNvSpPr>
+          <p:nvPr/>
+        </p:nvSpPr>
+        <p:spPr>
+          <a:xfrm>
+            <a:off x="838200" y="365125"/>
+            <a:ext cx="10515600" cy="1325563"/>
+          </a:xfrm>
+          <a:prstGeom prst="rect">
+            <a:avLst/>
+          </a:prstGeom>
+        </p:spPr>
+        <p:txBody>
+          <a:bodyPr/>
+          <a:lstStyle>
+            <a:lvl1pPr algn="l" defTabSz="914400" rtl="0" eaLnBrk="1" latinLnBrk="0" hangingPunct="1">
+              <a:lnSpc>
+                <a:spcPct val="90000"/>
+              </a:lnSpc>
+              <a:spcBef>
+                <a:spcPct val="0"/>
+              </a:spcBef>
+              <a:buNone/>
+              <a:defRPr sz="4400" kern="1200">
+                <a:solidFill>
+                  <a:schemeClr val="tx1"/>
+                </a:solidFill>
+                <a:latin typeface="+mj-lt"/>
+                <a:ea typeface="+mj-ea"/>
+                <a:cs typeface="+mj-cs"/>
+              </a:defRPr>
+            </a:lvl1pPr>
+          </a:lstStyle>
+          <a:p>
+            <a:r>
+              <a:rPr lang="en-US" cap="all" dirty="0">
+                <a:solidFill>
+                  <a:schemeClr val="accent1">
+                    <a:lumMod val="50000"/>
+                  </a:schemeClr>
+                </a:solidFill>
+              </a:rPr>
+              <a:t>Using Shiny in RMD DOCUMENTS</a:t>
+            </a:r>
+            <a:endParaRPr lang="en-US" dirty="0"/>
+          </a:p>
+        </p:txBody>
+      </p:sp>
+      <p:sp>
+        <p:nvSpPr>
+          <p:cNvPr id="4" name="TextBox 3"/>
+          <p:cNvSpPr txBox="1"/>
+          <p:nvPr/>
+        </p:nvSpPr>
+        <p:spPr>
+          <a:xfrm>
+            <a:off x="838200" y="1161071"/>
+            <a:ext cx="9677400" cy="3970318"/>
+          </a:xfrm>
+          <a:prstGeom prst="rect">
+            <a:avLst/>
+          </a:prstGeom>
+          <a:noFill/>
+        </p:spPr>
+        <p:txBody>
+          <a:bodyPr wrap="square" rtlCol="0">
+            <a:spAutoFit/>
+          </a:bodyPr>
+          <a:lstStyle/>
+          <a:p>
+            <a:endParaRPr lang="en-US" dirty="0"/>
+          </a:p>
+          <a:p>
+            <a:endParaRPr lang="en-US" dirty="0"/>
+          </a:p>
+          <a:p>
+            <a:r>
+              <a:rPr lang="en-US" dirty="0"/>
+              <a:t>Please note that if you look up tutorials on R Shiny you will find lots of information about how to build web apps. This was the original design and intended purpose of R Shiny.</a:t>
+            </a:r>
+          </a:p>
+          <a:p>
+            <a:endParaRPr lang="en-US" dirty="0"/>
+          </a:p>
+          <a:p>
+            <a:r>
+              <a:rPr lang="en-US" dirty="0"/>
+              <a:t>HOWEVER, it requires you to build a user interface from scratch, so you need to learn a bunch of functions to lay out a web page and add container for widgets and output. These are useful if you need your final app to be fully customized where you have full control over the entire look and feel.</a:t>
+            </a:r>
+          </a:p>
+          <a:p>
+            <a:endParaRPr lang="en-US" dirty="0"/>
+          </a:p>
+          <a:p>
+            <a:r>
+              <a:rPr lang="en-US" dirty="0"/>
+              <a:t>Shiny widgets have recently been integrated into RMD documents, making them much easier to use. The RMD documents do all of the hard work of creating a web page for us, and we already know how to add graphics. In this step we will just add widgets to gather user inputs. </a:t>
+            </a:r>
+          </a:p>
+          <a:p>
+            <a:endParaRPr lang="en-US" dirty="0"/>
+          </a:p>
+          <a:p>
+            <a:r>
+              <a:rPr lang="en-US" dirty="0"/>
+              <a:t>We are using </a:t>
+            </a:r>
+            <a:r>
+              <a:rPr lang="en-US" dirty="0">
+                <a:solidFill>
+                  <a:schemeClr val="accent2">
+                    <a:lumMod val="75000"/>
+                  </a:schemeClr>
+                </a:solidFill>
+              </a:rPr>
+              <a:t>Shiny functions() </a:t>
+            </a:r>
+            <a:r>
+              <a:rPr lang="en-US" dirty="0"/>
+              <a:t>inside of RMD documents, </a:t>
+            </a:r>
+            <a:r>
+              <a:rPr lang="en-US" dirty="0">
+                <a:solidFill>
+                  <a:schemeClr val="accent2">
+                    <a:lumMod val="75000"/>
+                  </a:schemeClr>
+                </a:solidFill>
+              </a:rPr>
+              <a:t>we are NOT building Shiny apps</a:t>
+            </a:r>
+            <a:r>
+              <a:rPr lang="en-US" dirty="0"/>
+              <a:t>. </a:t>
+            </a:r>
+          </a:p>
+        </p:txBody>
+      </p:sp>
+    </p:spTree>
+    <p:extLst>
+      <p:ext uri="{BB962C8B-B14F-4D97-AF65-F5344CB8AC3E}">
+        <p14:creationId xmlns:p14="http://schemas.microsoft.com/office/powerpoint/2010/main" val="923291731"/>
+      </p:ext>
+    </p:extLst>
+  </p:cSld>
+  <p:clrMapOvr>
+    <a:masterClrMapping/>
+  </p:clrMapOvr>
+</p:sld>
+</file>
+
+<file path=ppt/slides/slide18.xml><?xml version="1.0" encoding="utf-8"?>
+<p:sld xmlns:a="http://schemas.openxmlformats.org/drawingml/2006/main" xmlns:r="http://schemas.openxmlformats.org/officeDocument/2006/relationships" xmlns:p="http://schemas.openxmlformats.org/presentationml/2006/main">
+  <p:cSld>
+    <p:spTree>
+      <p:nvGrpSpPr>
+        <p:cNvPr id="1" name=""/>
+        <p:cNvGrpSpPr/>
+        <p:nvPr/>
+      </p:nvGrpSpPr>
+      <p:grpSpPr>
+        <a:xfrm>
+          <a:off x="0" y="0"/>
+          <a:ext cx="0" cy="0"/>
+          <a:chOff x="0" y="0"/>
+          <a:chExt cx="0" cy="0"/>
+        </a:xfrm>
+      </p:grpSpPr>
+      <p:sp>
+        <p:nvSpPr>
+          <p:cNvPr id="3" name="Title 1"/>
+          <p:cNvSpPr txBox="1">
+            <a:spLocks/>
+          </p:cNvSpPr>
+          <p:nvPr/>
+        </p:nvSpPr>
+        <p:spPr>
+          <a:xfrm>
+            <a:off x="838200" y="365125"/>
+            <a:ext cx="10515600" cy="1325563"/>
+          </a:xfrm>
+          <a:prstGeom prst="rect">
+            <a:avLst/>
+          </a:prstGeom>
+        </p:spPr>
+        <p:txBody>
+          <a:bodyPr/>
+          <a:lstStyle>
+            <a:lvl1pPr algn="l" defTabSz="914400" rtl="0" eaLnBrk="1" latinLnBrk="0" hangingPunct="1">
+              <a:lnSpc>
+                <a:spcPct val="90000"/>
+              </a:lnSpc>
+              <a:spcBef>
+                <a:spcPct val="0"/>
+              </a:spcBef>
+              <a:buNone/>
+              <a:defRPr sz="4400" kern="1200">
+                <a:solidFill>
+                  <a:schemeClr val="tx1"/>
+                </a:solidFill>
+                <a:latin typeface="+mj-lt"/>
+                <a:ea typeface="+mj-ea"/>
+                <a:cs typeface="+mj-cs"/>
+              </a:defRPr>
+            </a:lvl1pPr>
+          </a:lstStyle>
+          <a:p>
+            <a:r>
+              <a:rPr lang="en-US" cap="all" dirty="0">
+                <a:solidFill>
+                  <a:schemeClr val="accent1">
+                    <a:lumMod val="50000"/>
+                  </a:schemeClr>
+                </a:solidFill>
+              </a:rPr>
+              <a:t>Using Shiny </a:t>
+            </a:r>
+            <a:r>
+              <a:rPr lang="en-US" cap="all" dirty="0">
+                <a:solidFill>
+                  <a:schemeClr val="accent2">
+                    <a:lumMod val="75000"/>
+                  </a:schemeClr>
+                </a:solidFill>
+              </a:rPr>
+              <a:t>in RMD DOCUMENTS</a:t>
+            </a:r>
+            <a:endParaRPr lang="en-US" dirty="0">
+              <a:solidFill>
+                <a:schemeClr val="accent2">
+                  <a:lumMod val="75000"/>
+                </a:schemeClr>
+              </a:solidFill>
+            </a:endParaRPr>
+          </a:p>
+        </p:txBody>
+      </p:sp>
+      <p:sp>
+        <p:nvSpPr>
+          <p:cNvPr id="2" name="Rectangle 1">
+            <a:extLst>
+              <a:ext uri="{FF2B5EF4-FFF2-40B4-BE49-F238E27FC236}">
+                <a16:creationId xmlns:a16="http://schemas.microsoft.com/office/drawing/2014/main" id="{B72CEBDB-DE31-48CE-8B63-64605ADE65CC}"/>
+              </a:ext>
+            </a:extLst>
+          </p:cNvPr>
+          <p:cNvSpPr/>
+          <p:nvPr/>
+        </p:nvSpPr>
+        <p:spPr>
+          <a:xfrm>
+            <a:off x="838200" y="1548645"/>
+            <a:ext cx="6096000" cy="1477328"/>
+          </a:xfrm>
+          <a:prstGeom prst="rect">
+            <a:avLst/>
+          </a:prstGeom>
+          <a:ln w="12700">
+            <a:solidFill>
+              <a:schemeClr val="bg2">
+                <a:lumMod val="75000"/>
+              </a:schemeClr>
+            </a:solidFill>
+          </a:ln>
+        </p:spPr>
+        <p:txBody>
+          <a:bodyPr>
+            <a:spAutoFit/>
+          </a:bodyPr>
+          <a:lstStyle/>
+          <a:p>
+            <a:r>
+              <a:rPr lang="en-US" dirty="0">
+                <a:latin typeface="Courier New" panose="02070309020205020404" pitchFamily="49" charset="0"/>
+                <a:cs typeface="Courier New" panose="02070309020205020404" pitchFamily="49" charset="0"/>
+              </a:rPr>
+              <a:t>---</a:t>
+            </a:r>
+          </a:p>
+          <a:p>
+            <a:r>
+              <a:rPr lang="en-US" dirty="0">
+                <a:latin typeface="Courier New" panose="02070309020205020404" pitchFamily="49" charset="0"/>
+                <a:cs typeface="Courier New" panose="02070309020205020404" pitchFamily="49" charset="0"/>
+              </a:rPr>
+              <a:t>title: "Lab-04 Dynamic Graphics"</a:t>
+            </a:r>
+          </a:p>
+          <a:p>
+            <a:r>
+              <a:rPr lang="en-US" dirty="0">
+                <a:latin typeface="Courier New" panose="02070309020205020404" pitchFamily="49" charset="0"/>
+                <a:cs typeface="Courier New" panose="02070309020205020404" pitchFamily="49" charset="0"/>
+              </a:rPr>
+              <a:t>output: </a:t>
+            </a:r>
+            <a:r>
+              <a:rPr lang="en-US" dirty="0" err="1">
+                <a:latin typeface="Courier New" panose="02070309020205020404" pitchFamily="49" charset="0"/>
+                <a:cs typeface="Courier New" panose="02070309020205020404" pitchFamily="49" charset="0"/>
+              </a:rPr>
+              <a:t>flexdashboard</a:t>
+            </a:r>
+            <a:r>
+              <a:rPr lang="en-US" dirty="0">
+                <a:latin typeface="Courier New" panose="02070309020205020404" pitchFamily="49" charset="0"/>
+                <a:cs typeface="Courier New" panose="02070309020205020404" pitchFamily="49" charset="0"/>
+              </a:rPr>
+              <a:t>::</a:t>
+            </a:r>
+            <a:r>
+              <a:rPr lang="en-US" dirty="0" err="1">
+                <a:latin typeface="Courier New" panose="02070309020205020404" pitchFamily="49" charset="0"/>
+                <a:cs typeface="Courier New" panose="02070309020205020404" pitchFamily="49" charset="0"/>
+              </a:rPr>
+              <a:t>flex_dashboard</a:t>
+            </a:r>
+            <a:endParaRPr lang="en-US" dirty="0">
+              <a:latin typeface="Courier New" panose="02070309020205020404" pitchFamily="49" charset="0"/>
+              <a:cs typeface="Courier New" panose="02070309020205020404" pitchFamily="49" charset="0"/>
+            </a:endParaRPr>
+          </a:p>
+          <a:p>
+            <a:r>
+              <a:rPr lang="en-US" dirty="0">
+                <a:latin typeface="Courier New" panose="02070309020205020404" pitchFamily="49" charset="0"/>
+                <a:cs typeface="Courier New" panose="02070309020205020404" pitchFamily="49" charset="0"/>
+              </a:rPr>
+              <a:t>runtime: shiny</a:t>
+            </a:r>
+          </a:p>
+          <a:p>
+            <a:r>
+              <a:rPr lang="en-US" dirty="0">
+                <a:latin typeface="Courier New" panose="02070309020205020404" pitchFamily="49" charset="0"/>
+                <a:cs typeface="Courier New" panose="02070309020205020404" pitchFamily="49" charset="0"/>
+              </a:rPr>
+              <a:t>---</a:t>
+            </a:r>
+          </a:p>
+        </p:txBody>
+      </p:sp>
+      <p:sp>
+        <p:nvSpPr>
+          <p:cNvPr id="5" name="Rectangle 4">
+            <a:extLst>
+              <a:ext uri="{FF2B5EF4-FFF2-40B4-BE49-F238E27FC236}">
+                <a16:creationId xmlns:a16="http://schemas.microsoft.com/office/drawing/2014/main" id="{3DA389BC-2929-4B18-8421-51744B9E5486}"/>
+              </a:ext>
+            </a:extLst>
+          </p:cNvPr>
+          <p:cNvSpPr/>
+          <p:nvPr/>
+        </p:nvSpPr>
+        <p:spPr>
+          <a:xfrm>
+            <a:off x="838200" y="3188924"/>
+            <a:ext cx="6096000" cy="1754326"/>
+          </a:xfrm>
+          <a:prstGeom prst="rect">
+            <a:avLst/>
+          </a:prstGeom>
+          <a:ln w="12700">
+            <a:solidFill>
+              <a:schemeClr val="bg2">
+                <a:lumMod val="75000"/>
+              </a:schemeClr>
+            </a:solidFill>
+          </a:ln>
+        </p:spPr>
+        <p:txBody>
+          <a:bodyPr>
+            <a:spAutoFit/>
+          </a:bodyPr>
+          <a:lstStyle/>
+          <a:p>
+            <a:r>
+              <a:rPr lang="en-US" dirty="0">
+                <a:latin typeface="Courier New" panose="02070309020205020404" pitchFamily="49" charset="0"/>
+                <a:cs typeface="Courier New" panose="02070309020205020404" pitchFamily="49" charset="0"/>
+              </a:rPr>
+              <a:t>```{r}</a:t>
+            </a:r>
+          </a:p>
+          <a:p>
+            <a:r>
+              <a:rPr lang="en-US" dirty="0" err="1">
+                <a:latin typeface="Courier New" panose="02070309020205020404" pitchFamily="49" charset="0"/>
+                <a:cs typeface="Courier New" panose="02070309020205020404" pitchFamily="49" charset="0"/>
+              </a:rPr>
+              <a:t>selectInput</a:t>
+            </a:r>
+            <a:r>
+              <a:rPr lang="en-US" dirty="0">
+                <a:latin typeface="Courier New" panose="02070309020205020404" pitchFamily="49" charset="0"/>
+                <a:cs typeface="Courier New" panose="02070309020205020404" pitchFamily="49" charset="0"/>
+              </a:rPr>
+              <a:t>( </a:t>
+            </a:r>
+            <a:r>
+              <a:rPr lang="en-US" dirty="0" err="1">
+                <a:latin typeface="Courier New" panose="02070309020205020404" pitchFamily="49" charset="0"/>
+                <a:cs typeface="Courier New" panose="02070309020205020404" pitchFamily="49" charset="0"/>
+              </a:rPr>
+              <a:t>inputId</a:t>
+            </a:r>
+            <a:r>
+              <a:rPr lang="en-US" dirty="0">
+                <a:latin typeface="Courier New" panose="02070309020205020404" pitchFamily="49" charset="0"/>
+                <a:cs typeface="Courier New" panose="02070309020205020404" pitchFamily="49" charset="0"/>
+              </a:rPr>
+              <a:t>=“</a:t>
+            </a:r>
+            <a:r>
+              <a:rPr lang="en-US" dirty="0" err="1">
+                <a:latin typeface="Courier New" panose="02070309020205020404" pitchFamily="49" charset="0"/>
+                <a:cs typeface="Courier New" panose="02070309020205020404" pitchFamily="49" charset="0"/>
+              </a:rPr>
+              <a:t>my.widget</a:t>
+            </a:r>
+            <a:r>
+              <a:rPr lang="en-US" dirty="0">
+                <a:latin typeface="Courier New" panose="02070309020205020404" pitchFamily="49" charset="0"/>
+                <a:cs typeface="Courier New" panose="02070309020205020404" pitchFamily="49" charset="0"/>
+              </a:rPr>
+              <a:t>”,</a:t>
+            </a:r>
+          </a:p>
+          <a:p>
+            <a:r>
+              <a:rPr lang="en-US" dirty="0">
+                <a:latin typeface="Courier New" panose="02070309020205020404" pitchFamily="49" charset="0"/>
+                <a:cs typeface="Courier New" panose="02070309020205020404" pitchFamily="49" charset="0"/>
+              </a:rPr>
+              <a:t>             label=“Please select one”,</a:t>
+            </a:r>
+          </a:p>
+          <a:p>
+            <a:r>
+              <a:rPr lang="en-US" dirty="0">
+                <a:latin typeface="Courier New" panose="02070309020205020404" pitchFamily="49" charset="0"/>
+                <a:cs typeface="Courier New" panose="02070309020205020404" pitchFamily="49" charset="0"/>
+              </a:rPr>
+              <a:t>             choices=c(“A”,”B”,”C”),</a:t>
+            </a:r>
+          </a:p>
+          <a:p>
+            <a:r>
+              <a:rPr lang="en-US" dirty="0">
+                <a:latin typeface="Courier New" panose="02070309020205020404" pitchFamily="49" charset="0"/>
+                <a:cs typeface="Courier New" panose="02070309020205020404" pitchFamily="49" charset="0"/>
+              </a:rPr>
+              <a:t>             selected=“B” )</a:t>
+            </a:r>
+          </a:p>
+          <a:p>
+            <a:r>
+              <a:rPr lang="en-US" dirty="0">
+                <a:latin typeface="Courier New" panose="02070309020205020404" pitchFamily="49" charset="0"/>
+                <a:cs typeface="Courier New" panose="02070309020205020404" pitchFamily="49" charset="0"/>
+              </a:rPr>
+              <a:t>```</a:t>
+            </a:r>
+          </a:p>
+        </p:txBody>
+      </p:sp>
+      <p:sp>
+        <p:nvSpPr>
+          <p:cNvPr id="6" name="Rectangle 5">
+            <a:extLst>
+              <a:ext uri="{FF2B5EF4-FFF2-40B4-BE49-F238E27FC236}">
+                <a16:creationId xmlns:a16="http://schemas.microsoft.com/office/drawing/2014/main" id="{96FBCA61-CD16-4E16-99FE-8CE7F58B8FF2}"/>
+              </a:ext>
+            </a:extLst>
+          </p:cNvPr>
+          <p:cNvSpPr/>
+          <p:nvPr/>
+        </p:nvSpPr>
+        <p:spPr>
+          <a:xfrm>
+            <a:off x="834736" y="5216944"/>
+            <a:ext cx="6096000" cy="1477328"/>
+          </a:xfrm>
+          <a:prstGeom prst="rect">
+            <a:avLst/>
+          </a:prstGeom>
+          <a:ln w="12700">
+            <a:solidFill>
+              <a:schemeClr val="bg2">
+                <a:lumMod val="75000"/>
+              </a:schemeClr>
+            </a:solidFill>
+          </a:ln>
+        </p:spPr>
+        <p:txBody>
+          <a:bodyPr>
+            <a:spAutoFit/>
+          </a:bodyPr>
+          <a:lstStyle/>
+          <a:p>
+            <a:r>
+              <a:rPr lang="en-US" dirty="0">
+                <a:latin typeface="Courier New" panose="02070309020205020404" pitchFamily="49" charset="0"/>
+                <a:cs typeface="Courier New" panose="02070309020205020404" pitchFamily="49" charset="0"/>
+              </a:rPr>
+              <a:t>```{r}</a:t>
+            </a:r>
+          </a:p>
+          <a:p>
+            <a:r>
+              <a:rPr lang="en-US" dirty="0" err="1">
+                <a:latin typeface="Courier New" panose="02070309020205020404" pitchFamily="49" charset="0"/>
+                <a:cs typeface="Courier New" panose="02070309020205020404" pitchFamily="49" charset="0"/>
+              </a:rPr>
+              <a:t>renderPlot</a:t>
+            </a:r>
+            <a:r>
+              <a:rPr lang="en-US" dirty="0">
+                <a:latin typeface="Courier New" panose="02070309020205020404" pitchFamily="49" charset="0"/>
+                <a:cs typeface="Courier New" panose="02070309020205020404" pitchFamily="49" charset="0"/>
+              </a:rPr>
+              <a:t>({</a:t>
+            </a:r>
+          </a:p>
+          <a:p>
+            <a:r>
+              <a:rPr lang="en-US" dirty="0">
+                <a:latin typeface="Courier New" panose="02070309020205020404" pitchFamily="49" charset="0"/>
+                <a:cs typeface="Courier New" panose="02070309020205020404" pitchFamily="49" charset="0"/>
+              </a:rPr>
+              <a:t>   # code here</a:t>
+            </a:r>
+          </a:p>
+          <a:p>
+            <a:r>
+              <a:rPr lang="en-US" dirty="0">
+                <a:latin typeface="Courier New" panose="02070309020205020404" pitchFamily="49" charset="0"/>
+                <a:cs typeface="Courier New" panose="02070309020205020404" pitchFamily="49" charset="0"/>
+              </a:rPr>
+              <a:t>})</a:t>
+            </a:r>
+          </a:p>
+          <a:p>
+            <a:r>
+              <a:rPr lang="en-US" dirty="0">
+                <a:latin typeface="Courier New" panose="02070309020205020404" pitchFamily="49" charset="0"/>
+                <a:cs typeface="Courier New" panose="02070309020205020404" pitchFamily="49" charset="0"/>
+              </a:rPr>
+              <a:t>```</a:t>
+            </a:r>
+          </a:p>
+        </p:txBody>
+      </p:sp>
+      <p:sp>
+        <p:nvSpPr>
+          <p:cNvPr id="7" name="TextBox 6">
+            <a:extLst>
+              <a:ext uri="{FF2B5EF4-FFF2-40B4-BE49-F238E27FC236}">
+                <a16:creationId xmlns:a16="http://schemas.microsoft.com/office/drawing/2014/main" id="{4BA83D86-681B-4FA0-8B8E-C629AB5F7378}"/>
+              </a:ext>
+            </a:extLst>
+          </p:cNvPr>
+          <p:cNvSpPr txBox="1"/>
+          <p:nvPr/>
+        </p:nvSpPr>
+        <p:spPr>
+          <a:xfrm>
+            <a:off x="8260773" y="1825644"/>
+            <a:ext cx="3497368" cy="461665"/>
+          </a:xfrm>
+          <a:prstGeom prst="rect">
+            <a:avLst/>
+          </a:prstGeom>
+          <a:noFill/>
+        </p:spPr>
+        <p:txBody>
+          <a:bodyPr wrap="none" rtlCol="0">
+            <a:spAutoFit/>
+          </a:bodyPr>
+          <a:lstStyle/>
+          <a:p>
+            <a:r>
+              <a:rPr lang="en-US" sz="2400" dirty="0">
+                <a:solidFill>
+                  <a:schemeClr val="accent2">
+                    <a:lumMod val="75000"/>
+                  </a:schemeClr>
+                </a:solidFill>
+              </a:rPr>
+              <a:t>Header arguments in RMD</a:t>
+            </a:r>
+          </a:p>
+        </p:txBody>
+      </p:sp>
+      <p:sp>
+        <p:nvSpPr>
+          <p:cNvPr id="8" name="TextBox 7">
+            <a:extLst>
+              <a:ext uri="{FF2B5EF4-FFF2-40B4-BE49-F238E27FC236}">
+                <a16:creationId xmlns:a16="http://schemas.microsoft.com/office/drawing/2014/main" id="{B4F7E888-981D-43E7-B371-916C8C700EFC}"/>
+              </a:ext>
+            </a:extLst>
+          </p:cNvPr>
+          <p:cNvSpPr txBox="1"/>
+          <p:nvPr/>
+        </p:nvSpPr>
+        <p:spPr>
+          <a:xfrm>
+            <a:off x="8260773" y="3835254"/>
+            <a:ext cx="2197012" cy="461665"/>
+          </a:xfrm>
+          <a:prstGeom prst="rect">
+            <a:avLst/>
+          </a:prstGeom>
+          <a:noFill/>
+        </p:spPr>
+        <p:txBody>
+          <a:bodyPr wrap="none" rtlCol="0">
+            <a:spAutoFit/>
+          </a:bodyPr>
+          <a:lstStyle/>
+          <a:p>
+            <a:r>
+              <a:rPr lang="en-US" sz="2400" dirty="0">
+                <a:solidFill>
+                  <a:schemeClr val="accent2">
+                    <a:lumMod val="75000"/>
+                  </a:schemeClr>
+                </a:solidFill>
+              </a:rPr>
+              <a:t>Widgets in RMD</a:t>
+            </a:r>
+          </a:p>
+        </p:txBody>
+      </p:sp>
+      <p:sp>
+        <p:nvSpPr>
+          <p:cNvPr id="9" name="TextBox 8">
+            <a:extLst>
+              <a:ext uri="{FF2B5EF4-FFF2-40B4-BE49-F238E27FC236}">
+                <a16:creationId xmlns:a16="http://schemas.microsoft.com/office/drawing/2014/main" id="{72883244-B120-4143-9421-82556885ED5F}"/>
+              </a:ext>
+            </a:extLst>
+          </p:cNvPr>
+          <p:cNvSpPr txBox="1"/>
+          <p:nvPr/>
+        </p:nvSpPr>
+        <p:spPr>
+          <a:xfrm>
+            <a:off x="8214574" y="5542654"/>
+            <a:ext cx="3308342" cy="461665"/>
+          </a:xfrm>
+          <a:prstGeom prst="rect">
+            <a:avLst/>
+          </a:prstGeom>
+          <a:noFill/>
+        </p:spPr>
+        <p:txBody>
+          <a:bodyPr wrap="none" rtlCol="0">
+            <a:spAutoFit/>
+          </a:bodyPr>
+          <a:lstStyle/>
+          <a:p>
+            <a:r>
+              <a:rPr lang="en-US" sz="2400" dirty="0">
+                <a:solidFill>
+                  <a:schemeClr val="accent2">
+                    <a:lumMod val="75000"/>
+                  </a:schemeClr>
+                </a:solidFill>
+              </a:rPr>
+              <a:t>Render functions in RMD</a:t>
+            </a:r>
+          </a:p>
+        </p:txBody>
+      </p:sp>
+    </p:spTree>
+    <p:extLst>
+      <p:ext uri="{BB962C8B-B14F-4D97-AF65-F5344CB8AC3E}">
+        <p14:creationId xmlns:p14="http://schemas.microsoft.com/office/powerpoint/2010/main" val="583435641"/>
       </p:ext>
     </p:extLst>
   </p:cSld>
